--- a/presentation/20181024/time_deplex_multiplexing.pptx
+++ b/presentation/20181024/time_deplex_multiplexing.pptx
@@ -239,7 +239,7 @@
           <a:p>
             <a:fld id="{038663E7-9BBA-4CFF-AD41-A644F2EBBFE8}" type="datetimeFigureOut">
               <a:rPr lang="ko-KR" altLang="en-US" smtClean="0"/>
-              <a:t>2018-10-24</a:t>
+              <a:t>2018-12-28</a:t>
             </a:fld>
             <a:endParaRPr lang="ko-KR" altLang="en-US"/>
           </a:p>
@@ -772,7 +772,7 @@
           <a:p>
             <a:fld id="{C7ADC1DE-2768-464C-B011-70FF3C5BFBE4}" type="datetime1">
               <a:rPr lang="ko-KR" altLang="en-US" smtClean="0"/>
-              <a:t>2018-10-24</a:t>
+              <a:t>2018-12-28</a:t>
             </a:fld>
             <a:endParaRPr lang="ko-KR" altLang="en-US"/>
           </a:p>
@@ -942,7 +942,7 @@
           <a:p>
             <a:fld id="{7314E415-0A19-449B-AFD9-6513C2826887}" type="datetime1">
               <a:rPr lang="ko-KR" altLang="en-US" smtClean="0"/>
-              <a:t>2018-10-24</a:t>
+              <a:t>2018-12-28</a:t>
             </a:fld>
             <a:endParaRPr lang="ko-KR" altLang="en-US"/>
           </a:p>
@@ -1122,7 +1122,7 @@
           <a:p>
             <a:fld id="{51667D9F-9E60-415E-A240-05FB31E7272C}" type="datetime1">
               <a:rPr lang="ko-KR" altLang="en-US" smtClean="0"/>
-              <a:t>2018-10-24</a:t>
+              <a:t>2018-12-28</a:t>
             </a:fld>
             <a:endParaRPr lang="ko-KR" altLang="en-US"/>
           </a:p>
@@ -1292,7 +1292,7 @@
           <a:p>
             <a:fld id="{9E05BC84-2F21-4D7C-86A0-52D5B96ADFB3}" type="datetime1">
               <a:rPr lang="ko-KR" altLang="en-US" smtClean="0"/>
-              <a:t>2018-10-24</a:t>
+              <a:t>2018-12-28</a:t>
             </a:fld>
             <a:endParaRPr lang="ko-KR" altLang="en-US"/>
           </a:p>
@@ -1538,7 +1538,7 @@
           <a:p>
             <a:fld id="{F63A1417-5944-4023-A330-B149A7EC30B3}" type="datetime1">
               <a:rPr lang="ko-KR" altLang="en-US" smtClean="0"/>
-              <a:t>2018-10-24</a:t>
+              <a:t>2018-12-28</a:t>
             </a:fld>
             <a:endParaRPr lang="ko-KR" altLang="en-US"/>
           </a:p>
@@ -1826,7 +1826,7 @@
           <a:p>
             <a:fld id="{6D163A8E-67B0-46CA-98E5-5190F87A1AB0}" type="datetime1">
               <a:rPr lang="ko-KR" altLang="en-US" smtClean="0"/>
-              <a:t>2018-10-24</a:t>
+              <a:t>2018-12-28</a:t>
             </a:fld>
             <a:endParaRPr lang="ko-KR" altLang="en-US"/>
           </a:p>
@@ -2248,7 +2248,7 @@
           <a:p>
             <a:fld id="{CE42AFBB-ED8A-4DB3-86C8-A50407C1BBD0}" type="datetime1">
               <a:rPr lang="ko-KR" altLang="en-US" smtClean="0"/>
-              <a:t>2018-10-24</a:t>
+              <a:t>2018-12-28</a:t>
             </a:fld>
             <a:endParaRPr lang="ko-KR" altLang="en-US"/>
           </a:p>
@@ -2366,7 +2366,7 @@
           <a:p>
             <a:fld id="{811B810D-E8A7-4407-AD34-BB9BCBC64CDD}" type="datetime1">
               <a:rPr lang="ko-KR" altLang="en-US" smtClean="0"/>
-              <a:t>2018-10-24</a:t>
+              <a:t>2018-12-28</a:t>
             </a:fld>
             <a:endParaRPr lang="ko-KR" altLang="en-US"/>
           </a:p>
@@ -2461,7 +2461,7 @@
           <a:p>
             <a:fld id="{7BFCC022-0F2A-46D2-9F61-927275F1E62C}" type="datetime1">
               <a:rPr lang="ko-KR" altLang="en-US" smtClean="0"/>
-              <a:t>2018-10-24</a:t>
+              <a:t>2018-12-28</a:t>
             </a:fld>
             <a:endParaRPr lang="ko-KR" altLang="en-US"/>
           </a:p>
@@ -2738,7 +2738,7 @@
           <a:p>
             <a:fld id="{16B50852-DE62-470C-8C69-AFC4183B308A}" type="datetime1">
               <a:rPr lang="ko-KR" altLang="en-US" smtClean="0"/>
-              <a:t>2018-10-24</a:t>
+              <a:t>2018-12-28</a:t>
             </a:fld>
             <a:endParaRPr lang="ko-KR" altLang="en-US"/>
           </a:p>
@@ -2991,7 +2991,7 @@
           <a:p>
             <a:fld id="{F6825E50-72D0-47AC-9863-0959FA6E44AC}" type="datetime1">
               <a:rPr lang="ko-KR" altLang="en-US" smtClean="0"/>
-              <a:t>2018-10-24</a:t>
+              <a:t>2018-12-28</a:t>
             </a:fld>
             <a:endParaRPr lang="ko-KR" altLang="en-US"/>
           </a:p>
@@ -3204,7 +3204,7 @@
           <a:p>
             <a:fld id="{9D6AEDE8-040B-4FE3-AEBF-ECDE6C10A59C}" type="datetime1">
               <a:rPr lang="ko-KR" altLang="en-US" smtClean="0"/>
-              <a:t>2018-10-24</a:t>
+              <a:t>2018-12-28</a:t>
             </a:fld>
             <a:endParaRPr lang="ko-KR" altLang="en-US"/>
           </a:p>
@@ -9122,6 +9122,13 @@
   <p:clrMapOvr>
     <a:masterClrMapping/>
   </p:clrMapOvr>
+  <p:timing>
+    <p:tnLst>
+      <p:par>
+        <p:cTn id="1" dur="indefinite" restart="never" nodeType="tmRoot"/>
+      </p:par>
+    </p:tnLst>
+  </p:timing>
 </p:sld>
 </file>
 
